--- a/01_ME/08_Rotational Mechanics/img/all images.pptx
+++ b/01_ME/08_Rotational Mechanics/img/all images.pptx
@@ -16,6 +16,7 @@
     <p:sldId id="264" r:id="rId10"/>
     <p:sldId id="265" r:id="rId11"/>
     <p:sldId id="266" r:id="rId12"/>
+    <p:sldId id="267" r:id="rId13"/>
   </p:sldIdLst>
   <p:sldSz cx="12192000" cy="6858000"/>
   <p:notesSz cx="6858000" cy="9144000"/>
@@ -271,7 +272,7 @@
           <a:p>
             <a:fld id="{9E8057A7-4A47-42FE-AF42-8F5C6008553D}" type="datetimeFigureOut">
               <a:rPr lang="en-IN" smtClean="0"/>
-              <a:t>15-10-2024</a:t>
+              <a:t>01-02-2025</a:t>
             </a:fld>
             <a:endParaRPr lang="en-IN"/>
           </a:p>
@@ -471,7 +472,7 @@
           <a:p>
             <a:fld id="{9E8057A7-4A47-42FE-AF42-8F5C6008553D}" type="datetimeFigureOut">
               <a:rPr lang="en-IN" smtClean="0"/>
-              <a:t>15-10-2024</a:t>
+              <a:t>01-02-2025</a:t>
             </a:fld>
             <a:endParaRPr lang="en-IN"/>
           </a:p>
@@ -681,7 +682,7 @@
           <a:p>
             <a:fld id="{9E8057A7-4A47-42FE-AF42-8F5C6008553D}" type="datetimeFigureOut">
               <a:rPr lang="en-IN" smtClean="0"/>
-              <a:t>15-10-2024</a:t>
+              <a:t>01-02-2025</a:t>
             </a:fld>
             <a:endParaRPr lang="en-IN"/>
           </a:p>
@@ -881,7 +882,7 @@
           <a:p>
             <a:fld id="{9E8057A7-4A47-42FE-AF42-8F5C6008553D}" type="datetimeFigureOut">
               <a:rPr lang="en-IN" smtClean="0"/>
-              <a:t>15-10-2024</a:t>
+              <a:t>01-02-2025</a:t>
             </a:fld>
             <a:endParaRPr lang="en-IN"/>
           </a:p>
@@ -1157,7 +1158,7 @@
           <a:p>
             <a:fld id="{9E8057A7-4A47-42FE-AF42-8F5C6008553D}" type="datetimeFigureOut">
               <a:rPr lang="en-IN" smtClean="0"/>
-              <a:t>15-10-2024</a:t>
+              <a:t>01-02-2025</a:t>
             </a:fld>
             <a:endParaRPr lang="en-IN"/>
           </a:p>
@@ -1425,7 +1426,7 @@
           <a:p>
             <a:fld id="{9E8057A7-4A47-42FE-AF42-8F5C6008553D}" type="datetimeFigureOut">
               <a:rPr lang="en-IN" smtClean="0"/>
-              <a:t>15-10-2024</a:t>
+              <a:t>01-02-2025</a:t>
             </a:fld>
             <a:endParaRPr lang="en-IN"/>
           </a:p>
@@ -1840,7 +1841,7 @@
           <a:p>
             <a:fld id="{9E8057A7-4A47-42FE-AF42-8F5C6008553D}" type="datetimeFigureOut">
               <a:rPr lang="en-IN" smtClean="0"/>
-              <a:t>15-10-2024</a:t>
+              <a:t>01-02-2025</a:t>
             </a:fld>
             <a:endParaRPr lang="en-IN"/>
           </a:p>
@@ -1982,7 +1983,7 @@
           <a:p>
             <a:fld id="{9E8057A7-4A47-42FE-AF42-8F5C6008553D}" type="datetimeFigureOut">
               <a:rPr lang="en-IN" smtClean="0"/>
-              <a:t>15-10-2024</a:t>
+              <a:t>01-02-2025</a:t>
             </a:fld>
             <a:endParaRPr lang="en-IN"/>
           </a:p>
@@ -2095,7 +2096,7 @@
           <a:p>
             <a:fld id="{9E8057A7-4A47-42FE-AF42-8F5C6008553D}" type="datetimeFigureOut">
               <a:rPr lang="en-IN" smtClean="0"/>
-              <a:t>15-10-2024</a:t>
+              <a:t>01-02-2025</a:t>
             </a:fld>
             <a:endParaRPr lang="en-IN"/>
           </a:p>
@@ -2408,7 +2409,7 @@
           <a:p>
             <a:fld id="{9E8057A7-4A47-42FE-AF42-8F5C6008553D}" type="datetimeFigureOut">
               <a:rPr lang="en-IN" smtClean="0"/>
-              <a:t>15-10-2024</a:t>
+              <a:t>01-02-2025</a:t>
             </a:fld>
             <a:endParaRPr lang="en-IN"/>
           </a:p>
@@ -2697,7 +2698,7 @@
           <a:p>
             <a:fld id="{9E8057A7-4A47-42FE-AF42-8F5C6008553D}" type="datetimeFigureOut">
               <a:rPr lang="en-IN" smtClean="0"/>
-              <a:t>15-10-2024</a:t>
+              <a:t>01-02-2025</a:t>
             </a:fld>
             <a:endParaRPr lang="en-IN"/>
           </a:p>
@@ -2940,7 +2941,7 @@
           <a:p>
             <a:fld id="{9E8057A7-4A47-42FE-AF42-8F5C6008553D}" type="datetimeFigureOut">
               <a:rPr lang="en-IN" smtClean="0"/>
-              <a:t>15-10-2024</a:t>
+              <a:t>01-02-2025</a:t>
             </a:fld>
             <a:endParaRPr lang="en-IN"/>
           </a:p>
@@ -5872,6 +5873,643 @@
 </p:sld>
 </file>
 
+<file path=ppt/slides/slide12.xml><?xml version="1.0" encoding="utf-8"?>
+<p:sld xmlns:a="http://schemas.openxmlformats.org/drawingml/2006/main" xmlns:r="http://schemas.openxmlformats.org/officeDocument/2006/relationships" xmlns:p="http://schemas.openxmlformats.org/presentationml/2006/main">
+  <p:cSld>
+    <p:spTree>
+      <p:nvGrpSpPr>
+        <p:cNvPr id="1" name=""/>
+        <p:cNvGrpSpPr/>
+        <p:nvPr/>
+      </p:nvGrpSpPr>
+      <p:grpSpPr>
+        <a:xfrm>
+          <a:off x="0" y="0"/>
+          <a:ext cx="0" cy="0"/>
+          <a:chOff x="0" y="0"/>
+          <a:chExt cx="0" cy="0"/>
+        </a:xfrm>
+      </p:grpSpPr>
+      <p:sp>
+        <p:nvSpPr>
+          <p:cNvPr id="4" name="Parallelogram 3">
+            <a:extLst>
+              <a:ext uri="{FF2B5EF4-FFF2-40B4-BE49-F238E27FC236}">
+                <a16:creationId xmlns:a16="http://schemas.microsoft.com/office/drawing/2014/main" id="{BC5BBD1B-6079-A013-B0EE-FD1442839F29}"/>
+              </a:ext>
+            </a:extLst>
+          </p:cNvPr>
+          <p:cNvSpPr/>
+          <p:nvPr/>
+        </p:nvSpPr>
+        <p:spPr>
+          <a:xfrm>
+            <a:off x="3670073" y="1517073"/>
+            <a:ext cx="2103120" cy="3075709"/>
+          </a:xfrm>
+          <a:prstGeom prst="parallelogram">
+            <a:avLst>
+              <a:gd name="adj" fmla="val 51285"/>
+            </a:avLst>
+          </a:prstGeom>
+          <a:solidFill>
+            <a:schemeClr val="bg1">
+              <a:lumMod val="95000"/>
+            </a:schemeClr>
+          </a:solidFill>
+          <a:ln>
+            <a:solidFill>
+              <a:schemeClr val="tx1"/>
+            </a:solidFill>
+          </a:ln>
+        </p:spPr>
+        <p:style>
+          <a:lnRef idx="2">
+            <a:schemeClr val="accent1">
+              <a:shade val="15000"/>
+            </a:schemeClr>
+          </a:lnRef>
+          <a:fillRef idx="1">
+            <a:schemeClr val="accent1"/>
+          </a:fillRef>
+          <a:effectRef idx="0">
+            <a:schemeClr val="accent1"/>
+          </a:effectRef>
+          <a:fontRef idx="minor">
+            <a:schemeClr val="lt1"/>
+          </a:fontRef>
+        </p:style>
+        <p:txBody>
+          <a:bodyPr rtlCol="0" anchor="ctr"/>
+          <a:lstStyle/>
+          <a:p>
+            <a:pPr algn="ctr"/>
+            <a:endParaRPr lang="en-IN"/>
+          </a:p>
+        </p:txBody>
+      </p:sp>
+      <p:cxnSp>
+        <p:nvCxnSpPr>
+          <p:cNvPr id="6" name="Straight Connector 5">
+            <a:extLst>
+              <a:ext uri="{FF2B5EF4-FFF2-40B4-BE49-F238E27FC236}">
+                <a16:creationId xmlns:a16="http://schemas.microsoft.com/office/drawing/2014/main" id="{CF6CE2C0-16E1-E462-E595-DD6BA7465EC9}"/>
+              </a:ext>
+            </a:extLst>
+          </p:cNvPr>
+          <p:cNvCxnSpPr>
+            <a:cxnSpLocks/>
+          </p:cNvCxnSpPr>
+          <p:nvPr/>
+        </p:nvCxnSpPr>
+        <p:spPr>
+          <a:xfrm flipH="1">
+            <a:off x="4690700" y="1517073"/>
+            <a:ext cx="56666" cy="3075709"/>
+          </a:xfrm>
+          <a:prstGeom prst="line">
+            <a:avLst/>
+          </a:prstGeom>
+          <a:ln>
+            <a:solidFill>
+              <a:schemeClr val="tx1"/>
+            </a:solidFill>
+            <a:prstDash val="dashDot"/>
+          </a:ln>
+        </p:spPr>
+        <p:style>
+          <a:lnRef idx="1">
+            <a:schemeClr val="accent1"/>
+          </a:lnRef>
+          <a:fillRef idx="0">
+            <a:schemeClr val="accent1"/>
+          </a:fillRef>
+          <a:effectRef idx="0">
+            <a:schemeClr val="accent1"/>
+          </a:effectRef>
+          <a:fontRef idx="minor">
+            <a:schemeClr val="tx1"/>
+          </a:fontRef>
+        </p:style>
+      </p:cxnSp>
+      <p:cxnSp>
+        <p:nvCxnSpPr>
+          <p:cNvPr id="9" name="Straight Connector 8">
+            <a:extLst>
+              <a:ext uri="{FF2B5EF4-FFF2-40B4-BE49-F238E27FC236}">
+                <a16:creationId xmlns:a16="http://schemas.microsoft.com/office/drawing/2014/main" id="{5565F5DC-890F-5EDB-2EC9-A7AC7056639F}"/>
+              </a:ext>
+            </a:extLst>
+          </p:cNvPr>
+          <p:cNvCxnSpPr>
+            <a:cxnSpLocks/>
+          </p:cNvCxnSpPr>
+          <p:nvPr/>
+        </p:nvCxnSpPr>
+        <p:spPr>
+          <a:xfrm>
+            <a:off x="3753193" y="4272742"/>
+            <a:ext cx="935185" cy="311727"/>
+          </a:xfrm>
+          <a:prstGeom prst="line">
+            <a:avLst/>
+          </a:prstGeom>
+          <a:ln>
+            <a:solidFill>
+              <a:schemeClr val="tx1"/>
+            </a:solidFill>
+            <a:prstDash val="dashDot"/>
+          </a:ln>
+        </p:spPr>
+        <p:style>
+          <a:lnRef idx="1">
+            <a:schemeClr val="accent1"/>
+          </a:lnRef>
+          <a:fillRef idx="0">
+            <a:schemeClr val="accent1"/>
+          </a:fillRef>
+          <a:effectRef idx="0">
+            <a:schemeClr val="accent1"/>
+          </a:effectRef>
+          <a:fontRef idx="minor">
+            <a:schemeClr val="tx1"/>
+          </a:fontRef>
+        </p:style>
+      </p:cxnSp>
+      <p:graphicFrame>
+        <p:nvGraphicFramePr>
+          <p:cNvPr id="16" name="Object 15">
+            <a:extLst>
+              <a:ext uri="{FF2B5EF4-FFF2-40B4-BE49-F238E27FC236}">
+                <a16:creationId xmlns:a16="http://schemas.microsoft.com/office/drawing/2014/main" id="{539822E3-9DE2-F3DE-2A81-E9D591CBB4AF}"/>
+              </a:ext>
+            </a:extLst>
+          </p:cNvPr>
+          <p:cNvGraphicFramePr>
+            <a:graphicFrameLocks noChangeAspect="1"/>
+          </p:cNvGraphicFramePr>
+          <p:nvPr>
+            <p:extLst>
+              <p:ext uri="{D42A27DB-BD31-4B8C-83A1-F6EECF244321}">
+                <p14:modId xmlns:p14="http://schemas.microsoft.com/office/powerpoint/2010/main" val="1208260681"/>
+              </p:ext>
+            </p:extLst>
+          </p:nvPr>
+        </p:nvGraphicFramePr>
+        <p:xfrm>
+          <a:off x="4022895" y="4128538"/>
+          <a:ext cx="194129" cy="271781"/>
+        </p:xfrm>
+        <a:graphic>
+          <a:graphicData uri="http://schemas.openxmlformats.org/presentationml/2006/ole">
+            <mc:AlternateContent xmlns:mc="http://schemas.openxmlformats.org/markup-compatibility/2006">
+              <mc:Choice xmlns:v="urn:schemas-microsoft-com:vml" Requires="v">
+                <p:oleObj name="Equation" r:id="rId2" imgW="126720" imgH="177480" progId="Equation.DSMT4">
+                  <p:embed/>
+                </p:oleObj>
+              </mc:Choice>
+              <mc:Fallback>
+                <p:oleObj name="Equation" r:id="rId2" imgW="126720" imgH="177480" progId="Equation.DSMT4">
+                  <p:embed/>
+                  <p:pic>
+                    <p:nvPicPr>
+                      <p:cNvPr id="0" name=""/>
+                      <p:cNvPicPr/>
+                      <p:nvPr/>
+                    </p:nvPicPr>
+                    <p:blipFill>
+                      <a:blip r:embed="rId3"/>
+                      <a:stretch>
+                        <a:fillRect/>
+                      </a:stretch>
+                    </p:blipFill>
+                    <p:spPr>
+                      <a:xfrm>
+                        <a:off x="4022895" y="4128538"/>
+                        <a:ext cx="194129" cy="271781"/>
+                      </a:xfrm>
+                      <a:prstGeom prst="rect">
+                        <a:avLst/>
+                      </a:prstGeom>
+                    </p:spPr>
+                  </p:pic>
+                </p:oleObj>
+              </mc:Fallback>
+            </mc:AlternateContent>
+          </a:graphicData>
+        </a:graphic>
+      </p:graphicFrame>
+      <p:graphicFrame>
+        <p:nvGraphicFramePr>
+          <p:cNvPr id="17" name="Object 16">
+            <a:extLst>
+              <a:ext uri="{FF2B5EF4-FFF2-40B4-BE49-F238E27FC236}">
+                <a16:creationId xmlns:a16="http://schemas.microsoft.com/office/drawing/2014/main" id="{54EEFBA7-A6AC-A127-E764-6F1D6464C434}"/>
+              </a:ext>
+            </a:extLst>
+          </p:cNvPr>
+          <p:cNvGraphicFramePr>
+            <a:graphicFrameLocks noChangeAspect="1"/>
+          </p:cNvGraphicFramePr>
+          <p:nvPr>
+            <p:extLst>
+              <p:ext uri="{D42A27DB-BD31-4B8C-83A1-F6EECF244321}">
+                <p14:modId xmlns:p14="http://schemas.microsoft.com/office/powerpoint/2010/main" val="2154932858"/>
+              </p:ext>
+            </p:extLst>
+          </p:nvPr>
+        </p:nvGraphicFramePr>
+        <p:xfrm>
+          <a:off x="4719033" y="2594264"/>
+          <a:ext cx="488950" cy="273050"/>
+        </p:xfrm>
+        <a:graphic>
+          <a:graphicData uri="http://schemas.openxmlformats.org/presentationml/2006/ole">
+            <mc:AlternateContent xmlns:mc="http://schemas.openxmlformats.org/markup-compatibility/2006">
+              <mc:Choice xmlns:v="urn:schemas-microsoft-com:vml" Requires="v">
+                <p:oleObj name="Equation" r:id="rId4" imgW="317160" imgH="177480" progId="Equation.DSMT4">
+                  <p:embed/>
+                </p:oleObj>
+              </mc:Choice>
+              <mc:Fallback>
+                <p:oleObj name="Equation" r:id="rId4" imgW="317160" imgH="177480" progId="Equation.DSMT4">
+                  <p:embed/>
+                  <p:pic>
+                    <p:nvPicPr>
+                      <p:cNvPr id="16" name="Object 15">
+                        <a:extLst>
+                          <a:ext uri="{FF2B5EF4-FFF2-40B4-BE49-F238E27FC236}">
+                            <a16:creationId xmlns:a16="http://schemas.microsoft.com/office/drawing/2014/main" id="{539822E3-9DE2-F3DE-2A81-E9D591CBB4AF}"/>
+                          </a:ext>
+                        </a:extLst>
+                      </p:cNvPr>
+                      <p:cNvPicPr/>
+                      <p:nvPr/>
+                    </p:nvPicPr>
+                    <p:blipFill>
+                      <a:blip r:embed="rId5"/>
+                      <a:stretch>
+                        <a:fillRect/>
+                      </a:stretch>
+                    </p:blipFill>
+                    <p:spPr>
+                      <a:xfrm>
+                        <a:off x="4719033" y="2594264"/>
+                        <a:ext cx="488950" cy="273050"/>
+                      </a:xfrm>
+                      <a:prstGeom prst="rect">
+                        <a:avLst/>
+                      </a:prstGeom>
+                    </p:spPr>
+                  </p:pic>
+                </p:oleObj>
+              </mc:Fallback>
+            </mc:AlternateContent>
+          </a:graphicData>
+        </a:graphic>
+      </p:graphicFrame>
+      <p:sp>
+        <p:nvSpPr>
+          <p:cNvPr id="18" name="Arc 17">
+            <a:extLst>
+              <a:ext uri="{FF2B5EF4-FFF2-40B4-BE49-F238E27FC236}">
+                <a16:creationId xmlns:a16="http://schemas.microsoft.com/office/drawing/2014/main" id="{DA2A8952-D6A6-E977-2E3D-518707F7D3F9}"/>
+              </a:ext>
+            </a:extLst>
+          </p:cNvPr>
+          <p:cNvSpPr/>
+          <p:nvPr/>
+        </p:nvSpPr>
+        <p:spPr>
+          <a:xfrm>
+            <a:off x="4318406" y="1082362"/>
+            <a:ext cx="857920" cy="900224"/>
+          </a:xfrm>
+          <a:prstGeom prst="arc">
+            <a:avLst>
+              <a:gd name="adj1" fmla="val 5411789"/>
+              <a:gd name="adj2" fmla="val 6577423"/>
+            </a:avLst>
+          </a:prstGeom>
+          <a:ln>
+            <a:solidFill>
+              <a:schemeClr val="tx1"/>
+            </a:solidFill>
+            <a:tailEnd type="none"/>
+          </a:ln>
+        </p:spPr>
+        <p:style>
+          <a:lnRef idx="1">
+            <a:schemeClr val="accent1"/>
+          </a:lnRef>
+          <a:fillRef idx="0">
+            <a:schemeClr val="accent1"/>
+          </a:fillRef>
+          <a:effectRef idx="0">
+            <a:schemeClr val="accent1"/>
+          </a:effectRef>
+          <a:fontRef idx="minor">
+            <a:schemeClr val="tx1"/>
+          </a:fontRef>
+        </p:style>
+        <p:txBody>
+          <a:bodyPr rtlCol="0" anchor="ctr"/>
+          <a:lstStyle/>
+          <a:p>
+            <a:pPr algn="ctr"/>
+            <a:endParaRPr lang="en-IN"/>
+          </a:p>
+        </p:txBody>
+      </p:sp>
+      <p:graphicFrame>
+        <p:nvGraphicFramePr>
+          <p:cNvPr id="19" name="Object 18">
+            <a:extLst>
+              <a:ext uri="{FF2B5EF4-FFF2-40B4-BE49-F238E27FC236}">
+                <a16:creationId xmlns:a16="http://schemas.microsoft.com/office/drawing/2014/main" id="{ED39856B-917C-238F-27B4-B9A00A27F029}"/>
+              </a:ext>
+            </a:extLst>
+          </p:cNvPr>
+          <p:cNvGraphicFramePr>
+            <a:graphicFrameLocks noChangeAspect="1"/>
+          </p:cNvGraphicFramePr>
+          <p:nvPr>
+            <p:extLst>
+              <p:ext uri="{D42A27DB-BD31-4B8C-83A1-F6EECF244321}">
+                <p14:modId xmlns:p14="http://schemas.microsoft.com/office/powerpoint/2010/main" val="2818909317"/>
+              </p:ext>
+            </p:extLst>
+          </p:nvPr>
+        </p:nvGraphicFramePr>
+        <p:xfrm>
+          <a:off x="4508288" y="2063089"/>
+          <a:ext cx="194129" cy="271781"/>
+        </p:xfrm>
+        <a:graphic>
+          <a:graphicData uri="http://schemas.openxmlformats.org/presentationml/2006/ole">
+            <mc:AlternateContent xmlns:mc="http://schemas.openxmlformats.org/markup-compatibility/2006">
+              <mc:Choice xmlns:v="urn:schemas-microsoft-com:vml" Requires="v">
+                <p:oleObj name="Equation" r:id="rId6" imgW="126720" imgH="177480" progId="Equation.DSMT4">
+                  <p:embed/>
+                </p:oleObj>
+              </mc:Choice>
+              <mc:Fallback>
+                <p:oleObj name="Equation" r:id="rId6" imgW="126720" imgH="177480" progId="Equation.DSMT4">
+                  <p:embed/>
+                  <p:pic>
+                    <p:nvPicPr>
+                      <p:cNvPr id="76" name="Object 75">
+                        <a:extLst>
+                          <a:ext uri="{FF2B5EF4-FFF2-40B4-BE49-F238E27FC236}">
+                            <a16:creationId xmlns:a16="http://schemas.microsoft.com/office/drawing/2014/main" id="{2B49BACB-5DBE-6AEC-C221-D443778B364B}"/>
+                          </a:ext>
+                        </a:extLst>
+                      </p:cNvPr>
+                      <p:cNvPicPr/>
+                      <p:nvPr/>
+                    </p:nvPicPr>
+                    <p:blipFill>
+                      <a:blip r:embed="rId7"/>
+                      <a:stretch>
+                        <a:fillRect/>
+                      </a:stretch>
+                    </p:blipFill>
+                    <p:spPr>
+                      <a:xfrm>
+                        <a:off x="4508288" y="2063089"/>
+                        <a:ext cx="194129" cy="271781"/>
+                      </a:xfrm>
+                      <a:prstGeom prst="rect">
+                        <a:avLst/>
+                      </a:prstGeom>
+                    </p:spPr>
+                  </p:pic>
+                </p:oleObj>
+              </mc:Fallback>
+            </mc:AlternateContent>
+          </a:graphicData>
+        </a:graphic>
+      </p:graphicFrame>
+      <p:cxnSp>
+        <p:nvCxnSpPr>
+          <p:cNvPr id="20" name="Straight Connector 19">
+            <a:extLst>
+              <a:ext uri="{FF2B5EF4-FFF2-40B4-BE49-F238E27FC236}">
+                <a16:creationId xmlns:a16="http://schemas.microsoft.com/office/drawing/2014/main" id="{2F61BB62-E1CD-EFAF-DC20-7EFF3DFCF8A0}"/>
+              </a:ext>
+            </a:extLst>
+          </p:cNvPr>
+          <p:cNvCxnSpPr>
+            <a:cxnSpLocks/>
+          </p:cNvCxnSpPr>
+          <p:nvPr/>
+        </p:nvCxnSpPr>
+        <p:spPr>
+          <a:xfrm flipH="1">
+            <a:off x="4876696" y="1169253"/>
+            <a:ext cx="242964" cy="590944"/>
+          </a:xfrm>
+          <a:prstGeom prst="line">
+            <a:avLst/>
+          </a:prstGeom>
+          <a:ln w="28575">
+            <a:solidFill>
+              <a:schemeClr val="tx1"/>
+            </a:solidFill>
+            <a:prstDash val="solid"/>
+            <a:headEnd type="stealth" w="lg" len="lg"/>
+            <a:tailEnd type="none"/>
+          </a:ln>
+        </p:spPr>
+        <p:style>
+          <a:lnRef idx="1">
+            <a:schemeClr val="accent1"/>
+          </a:lnRef>
+          <a:fillRef idx="0">
+            <a:schemeClr val="accent1"/>
+          </a:fillRef>
+          <a:effectRef idx="0">
+            <a:schemeClr val="accent1"/>
+          </a:effectRef>
+          <a:fontRef idx="minor">
+            <a:schemeClr val="tx1"/>
+          </a:fontRef>
+        </p:style>
+      </p:cxnSp>
+      <p:cxnSp>
+        <p:nvCxnSpPr>
+          <p:cNvPr id="23" name="Straight Connector 22">
+            <a:extLst>
+              <a:ext uri="{FF2B5EF4-FFF2-40B4-BE49-F238E27FC236}">
+                <a16:creationId xmlns:a16="http://schemas.microsoft.com/office/drawing/2014/main" id="{E4D881C5-C7BF-0141-1A64-C89EC5BDD89D}"/>
+              </a:ext>
+            </a:extLst>
+          </p:cNvPr>
+          <p:cNvCxnSpPr>
+            <a:cxnSpLocks/>
+          </p:cNvCxnSpPr>
+          <p:nvPr/>
+        </p:nvCxnSpPr>
+        <p:spPr>
+          <a:xfrm flipH="1">
+            <a:off x="5119509" y="1169253"/>
+            <a:ext cx="242964" cy="590944"/>
+          </a:xfrm>
+          <a:prstGeom prst="line">
+            <a:avLst/>
+          </a:prstGeom>
+          <a:ln w="28575">
+            <a:solidFill>
+              <a:schemeClr val="tx1"/>
+            </a:solidFill>
+            <a:prstDash val="solid"/>
+            <a:headEnd type="stealth" w="lg" len="lg"/>
+            <a:tailEnd type="none"/>
+          </a:ln>
+        </p:spPr>
+        <p:style>
+          <a:lnRef idx="1">
+            <a:schemeClr val="accent1"/>
+          </a:lnRef>
+          <a:fillRef idx="0">
+            <a:schemeClr val="accent1"/>
+          </a:fillRef>
+          <a:effectRef idx="0">
+            <a:schemeClr val="accent1"/>
+          </a:effectRef>
+          <a:fontRef idx="minor">
+            <a:schemeClr val="tx1"/>
+          </a:fontRef>
+        </p:style>
+      </p:cxnSp>
+      <p:cxnSp>
+        <p:nvCxnSpPr>
+          <p:cNvPr id="24" name="Straight Connector 23">
+            <a:extLst>
+              <a:ext uri="{FF2B5EF4-FFF2-40B4-BE49-F238E27FC236}">
+                <a16:creationId xmlns:a16="http://schemas.microsoft.com/office/drawing/2014/main" id="{64CB2512-BEF0-94AA-E643-09B0161093C5}"/>
+              </a:ext>
+            </a:extLst>
+          </p:cNvPr>
+          <p:cNvCxnSpPr>
+            <a:cxnSpLocks/>
+          </p:cNvCxnSpPr>
+          <p:nvPr/>
+        </p:nvCxnSpPr>
+        <p:spPr>
+          <a:xfrm flipH="1">
+            <a:off x="5364726" y="1169253"/>
+            <a:ext cx="242964" cy="590944"/>
+          </a:xfrm>
+          <a:prstGeom prst="line">
+            <a:avLst/>
+          </a:prstGeom>
+          <a:ln w="28575">
+            <a:solidFill>
+              <a:schemeClr val="tx1"/>
+            </a:solidFill>
+            <a:prstDash val="solid"/>
+            <a:headEnd type="stealth" w="lg" len="lg"/>
+            <a:tailEnd type="none"/>
+          </a:ln>
+        </p:spPr>
+        <p:style>
+          <a:lnRef idx="1">
+            <a:schemeClr val="accent1"/>
+          </a:lnRef>
+          <a:fillRef idx="0">
+            <a:schemeClr val="accent1"/>
+          </a:fillRef>
+          <a:effectRef idx="0">
+            <a:schemeClr val="accent1"/>
+          </a:effectRef>
+          <a:fontRef idx="minor">
+            <a:schemeClr val="tx1"/>
+          </a:fontRef>
+        </p:style>
+      </p:cxnSp>
+      <p:graphicFrame>
+        <p:nvGraphicFramePr>
+          <p:cNvPr id="25" name="Object 24">
+            <a:extLst>
+              <a:ext uri="{FF2B5EF4-FFF2-40B4-BE49-F238E27FC236}">
+                <a16:creationId xmlns:a16="http://schemas.microsoft.com/office/drawing/2014/main" id="{C3DB7D9C-0214-606F-1449-969B294C7EF4}"/>
+              </a:ext>
+            </a:extLst>
+          </p:cNvPr>
+          <p:cNvGraphicFramePr>
+            <a:graphicFrameLocks noChangeAspect="1"/>
+          </p:cNvGraphicFramePr>
+          <p:nvPr>
+            <p:extLst>
+              <p:ext uri="{D42A27DB-BD31-4B8C-83A1-F6EECF244321}">
+                <p14:modId xmlns:p14="http://schemas.microsoft.com/office/powerpoint/2010/main" val="3254279746"/>
+              </p:ext>
+            </p:extLst>
+          </p:nvPr>
+        </p:nvGraphicFramePr>
+        <p:xfrm>
+          <a:off x="5240991" y="879992"/>
+          <a:ext cx="195262" cy="254000"/>
+        </p:xfrm>
+        <a:graphic>
+          <a:graphicData uri="http://schemas.openxmlformats.org/presentationml/2006/ole">
+            <mc:AlternateContent xmlns:mc="http://schemas.openxmlformats.org/markup-compatibility/2006">
+              <mc:Choice xmlns:v="urn:schemas-microsoft-com:vml" Requires="v">
+                <p:oleObj name="Equation" r:id="rId8" imgW="126720" imgH="164880" progId="Equation.DSMT4">
+                  <p:embed/>
+                </p:oleObj>
+              </mc:Choice>
+              <mc:Fallback>
+                <p:oleObj name="Equation" r:id="rId8" imgW="126720" imgH="164880" progId="Equation.DSMT4">
+                  <p:embed/>
+                  <p:pic>
+                    <p:nvPicPr>
+                      <p:cNvPr id="17" name="Object 16">
+                        <a:extLst>
+                          <a:ext uri="{FF2B5EF4-FFF2-40B4-BE49-F238E27FC236}">
+                            <a16:creationId xmlns:a16="http://schemas.microsoft.com/office/drawing/2014/main" id="{54EEFBA7-A6AC-A127-E764-6F1D6464C434}"/>
+                          </a:ext>
+                        </a:extLst>
+                      </p:cNvPr>
+                      <p:cNvPicPr/>
+                      <p:nvPr/>
+                    </p:nvPicPr>
+                    <p:blipFill>
+                      <a:blip r:embed="rId9"/>
+                      <a:stretch>
+                        <a:fillRect/>
+                      </a:stretch>
+                    </p:blipFill>
+                    <p:spPr>
+                      <a:xfrm>
+                        <a:off x="5240991" y="879992"/>
+                        <a:ext cx="195262" cy="254000"/>
+                      </a:xfrm>
+                      <a:prstGeom prst="rect">
+                        <a:avLst/>
+                      </a:prstGeom>
+                    </p:spPr>
+                  </p:pic>
+                </p:oleObj>
+              </mc:Fallback>
+            </mc:AlternateContent>
+          </a:graphicData>
+        </a:graphic>
+      </p:graphicFrame>
+    </p:spTree>
+    <p:extLst>
+      <p:ext uri="{BB962C8B-B14F-4D97-AF65-F5344CB8AC3E}">
+        <p14:creationId xmlns:p14="http://schemas.microsoft.com/office/powerpoint/2010/main" val="3590545508"/>
+      </p:ext>
+    </p:extLst>
+  </p:cSld>
+  <p:clrMapOvr>
+    <a:masterClrMapping/>
+  </p:clrMapOvr>
+</p:sld>
+</file>
+
 <file path=ppt/slides/slide2.xml><?xml version="1.0" encoding="utf-8"?>
 <p:sld xmlns:a="http://schemas.openxmlformats.org/drawingml/2006/main" xmlns:r="http://schemas.openxmlformats.org/officeDocument/2006/relationships" xmlns:p="http://schemas.openxmlformats.org/presentationml/2006/main">
   <p:cSld>
@@ -9107,12 +9745,12 @@
             <a:graphicData uri="http://schemas.openxmlformats.org/presentationml/2006/ole">
               <mc:AlternateContent xmlns:mc="http://schemas.openxmlformats.org/markup-compatibility/2006">
                 <mc:Choice xmlns:v="urn:schemas-microsoft-com:vml" Requires="v">
-                  <p:oleObj name="Equation" r:id="rId24" imgW="164880" imgH="203040" progId="Equation.DSMT4">
+                  <p:oleObj name="Equation" r:id="rId18" imgW="164880" imgH="203040" progId="Equation.DSMT4">
                     <p:embed/>
                   </p:oleObj>
                 </mc:Choice>
                 <mc:Fallback>
-                  <p:oleObj name="Equation" r:id="rId24" imgW="164880" imgH="203040" progId="Equation.DSMT4">
+                  <p:oleObj name="Equation" r:id="rId18" imgW="164880" imgH="203040" progId="Equation.DSMT4">
                     <p:embed/>
                     <p:pic>
                       <p:nvPicPr>
@@ -9505,12 +10143,12 @@
           <a:graphicData uri="http://schemas.openxmlformats.org/presentationml/2006/ole">
             <mc:AlternateContent xmlns:mc="http://schemas.openxmlformats.org/markup-compatibility/2006">
               <mc:Choice xmlns:v="urn:schemas-microsoft-com:vml" Requires="v">
-                <p:oleObj name="Equation" r:id="rId25" imgW="482400" imgH="177480" progId="Equation.DSMT4">
+                <p:oleObj name="Equation" r:id="rId24" imgW="482400" imgH="177480" progId="Equation.DSMT4">
                   <p:embed/>
                 </p:oleObj>
               </mc:Choice>
               <mc:Fallback>
-                <p:oleObj name="Equation" r:id="rId25" imgW="482400" imgH="177480" progId="Equation.DSMT4">
+                <p:oleObj name="Equation" r:id="rId24" imgW="482400" imgH="177480" progId="Equation.DSMT4">
                   <p:embed/>
                   <p:pic>
                     <p:nvPicPr>
@@ -9525,7 +10163,7 @@
                       <p:nvPr/>
                     </p:nvPicPr>
                     <p:blipFill>
-                      <a:blip r:embed="rId26"/>
+                      <a:blip r:embed="rId25"/>
                       <a:stretch>
                         <a:fillRect/>
                       </a:stretch>
@@ -9574,12 +10212,12 @@
           <a:graphicData uri="http://schemas.openxmlformats.org/presentationml/2006/ole">
             <mc:AlternateContent xmlns:mc="http://schemas.openxmlformats.org/markup-compatibility/2006">
               <mc:Choice xmlns:v="urn:schemas-microsoft-com:vml" Requires="v">
-                <p:oleObj name="Equation" r:id="rId27" imgW="469800" imgH="177480" progId="Equation.DSMT4">
+                <p:oleObj name="Equation" r:id="rId26" imgW="469800" imgH="177480" progId="Equation.DSMT4">
                   <p:embed/>
                 </p:oleObj>
               </mc:Choice>
               <mc:Fallback>
-                <p:oleObj name="Equation" r:id="rId27" imgW="469800" imgH="177480" progId="Equation.DSMT4">
+                <p:oleObj name="Equation" r:id="rId26" imgW="469800" imgH="177480" progId="Equation.DSMT4">
                   <p:embed/>
                   <p:pic>
                     <p:nvPicPr>
@@ -9594,7 +10232,7 @@
                       <p:nvPr/>
                     </p:nvPicPr>
                     <p:blipFill>
-                      <a:blip r:embed="rId28"/>
+                      <a:blip r:embed="rId27"/>
                       <a:stretch>
                         <a:fillRect/>
                       </a:stretch>
@@ -10011,12 +10649,12 @@
             <a:graphicData uri="http://schemas.openxmlformats.org/presentationml/2006/ole">
               <mc:AlternateContent xmlns:mc="http://schemas.openxmlformats.org/markup-compatibility/2006">
                 <mc:Choice xmlns:v="urn:schemas-microsoft-com:vml" Requires="v">
-                  <p:oleObj name="Equation" r:id="rId29" imgW="114120" imgH="203040" progId="Equation.DSMT4">
+                  <p:oleObj name="Equation" r:id="rId28" imgW="114120" imgH="203040" progId="Equation.DSMT4">
                     <p:embed/>
                   </p:oleObj>
                 </mc:Choice>
                 <mc:Fallback>
-                  <p:oleObj name="Equation" r:id="rId29" imgW="114120" imgH="203040" progId="Equation.DSMT4">
+                  <p:oleObj name="Equation" r:id="rId28" imgW="114120" imgH="203040" progId="Equation.DSMT4">
                     <p:embed/>
                     <p:pic>
                       <p:nvPicPr>
@@ -10031,7 +10669,7 @@
                         <p:nvPr/>
                       </p:nvPicPr>
                       <p:blipFill>
-                        <a:blip r:embed="rId30"/>
+                        <a:blip r:embed="rId29"/>
                         <a:stretch>
                           <a:fillRect/>
                         </a:stretch>
@@ -10231,12 +10869,12 @@
           <a:graphicData uri="http://schemas.openxmlformats.org/presentationml/2006/ole">
             <mc:AlternateContent xmlns:mc="http://schemas.openxmlformats.org/markup-compatibility/2006">
               <mc:Choice xmlns:v="urn:schemas-microsoft-com:vml" Requires="v">
-                <p:oleObj name="Equation" r:id="rId31" imgW="126720" imgH="177480" progId="Equation.DSMT4">
+                <p:oleObj name="Equation" r:id="rId30" imgW="126720" imgH="177480" progId="Equation.DSMT4">
                   <p:embed/>
                 </p:oleObj>
               </mc:Choice>
               <mc:Fallback>
-                <p:oleObj name="Equation" r:id="rId31" imgW="126720" imgH="177480" progId="Equation.DSMT4">
+                <p:oleObj name="Equation" r:id="rId30" imgW="126720" imgH="177480" progId="Equation.DSMT4">
                   <p:embed/>
                   <p:pic>
                     <p:nvPicPr>
@@ -10251,7 +10889,7 @@
                       <p:nvPr/>
                     </p:nvPicPr>
                     <p:blipFill>
-                      <a:blip r:embed="rId32"/>
+                      <a:blip r:embed="rId31"/>
                       <a:stretch>
                         <a:fillRect/>
                       </a:stretch>
@@ -13138,12 +13776,12 @@
           <a:graphicData uri="http://schemas.openxmlformats.org/presentationml/2006/ole">
             <mc:AlternateContent xmlns:mc="http://schemas.openxmlformats.org/markup-compatibility/2006">
               <mc:Choice xmlns:v="urn:schemas-microsoft-com:vml" Requires="v">
-                <p:oleObj name="Equation" r:id="rId24" imgW="126720" imgH="177480" progId="Equation.DSMT4">
+                <p:oleObj name="Equation" r:id="rId22" imgW="126720" imgH="177480" progId="Equation.DSMT4">
                   <p:embed/>
                 </p:oleObj>
               </mc:Choice>
               <mc:Fallback>
-                <p:oleObj name="Equation" r:id="rId24" imgW="126720" imgH="177480" progId="Equation.DSMT4">
+                <p:oleObj name="Equation" r:id="rId22" imgW="126720" imgH="177480" progId="Equation.DSMT4">
                   <p:embed/>
                   <p:pic>
                     <p:nvPicPr>
@@ -13207,12 +13845,12 @@
           <a:graphicData uri="http://schemas.openxmlformats.org/presentationml/2006/ole">
             <mc:AlternateContent xmlns:mc="http://schemas.openxmlformats.org/markup-compatibility/2006">
               <mc:Choice xmlns:v="urn:schemas-microsoft-com:vml" Requires="v">
-                <p:oleObj name="Equation" r:id="rId25" imgW="419040" imgH="177480" progId="Equation.DSMT4">
+                <p:oleObj name="Equation" r:id="rId24" imgW="419040" imgH="177480" progId="Equation.DSMT4">
                   <p:embed/>
                 </p:oleObj>
               </mc:Choice>
               <mc:Fallback>
-                <p:oleObj name="Equation" r:id="rId25" imgW="419040" imgH="177480" progId="Equation.DSMT4">
+                <p:oleObj name="Equation" r:id="rId24" imgW="419040" imgH="177480" progId="Equation.DSMT4">
                   <p:embed/>
                   <p:pic>
                     <p:nvPicPr>
@@ -13227,7 +13865,7 @@
                       <p:nvPr/>
                     </p:nvPicPr>
                     <p:blipFill>
-                      <a:blip r:embed="rId26"/>
+                      <a:blip r:embed="rId25"/>
                       <a:stretch>
                         <a:fillRect/>
                       </a:stretch>
